--- a/Presentations/Project_Meeting_11292023.pptx
+++ b/Presentations/Project_Meeting_11292023.pptx
@@ -248,7 +248,7 @@
           <a:p>
             <a:fld id="{6DBCF797-72C0-5845-BDC2-DBB92780D266}" type="datetimeFigureOut">
               <a:rPr lang="en-US" smtClean="0"/>
-              <a:t>11/27/2023</a:t>
+              <a:t>11/29/2023</a:t>
             </a:fld>
             <a:endParaRPr lang="en-US"/>
           </a:p>
@@ -3083,7 +3083,7 @@
           <a:p>
             <a:fld id="{A637A39A-9F89-364E-BF01-AB38BD84F7BC}" type="datetimeFigureOut">
               <a:rPr lang="en-US" smtClean="0"/>
-              <a:t>11/27/2023</a:t>
+              <a:t>11/29/2023</a:t>
             </a:fld>
             <a:endParaRPr lang="en-US" dirty="0"/>
           </a:p>
@@ -3371,7 +3371,7 @@
           <a:p>
             <a:fld id="{A637A39A-9F89-364E-BF01-AB38BD84F7BC}" type="datetimeFigureOut">
               <a:rPr lang="en-US" smtClean="0"/>
-              <a:t>11/27/2023</a:t>
+              <a:t>11/29/2023</a:t>
             </a:fld>
             <a:endParaRPr lang="en-US" dirty="0"/>
           </a:p>
@@ -3708,7 +3708,7 @@
           <a:p>
             <a:fld id="{A637A39A-9F89-364E-BF01-AB38BD84F7BC}" type="datetimeFigureOut">
               <a:rPr lang="en-US" smtClean="0"/>
-              <a:t>11/27/2023</a:t>
+              <a:t>11/29/2023</a:t>
             </a:fld>
             <a:endParaRPr lang="en-US" dirty="0"/>
           </a:p>
@@ -4015,7 +4015,7 @@
           <a:p>
             <a:fld id="{A637A39A-9F89-364E-BF01-AB38BD84F7BC}" type="datetimeFigureOut">
               <a:rPr lang="en-US" smtClean="0"/>
-              <a:t>11/27/2023</a:t>
+              <a:t>11/29/2023</a:t>
             </a:fld>
             <a:endParaRPr lang="en-US" dirty="0"/>
           </a:p>
@@ -4346,7 +4346,7 @@
             <a:fld id="{A637A39A-9F89-364E-BF01-AB38BD84F7BC}" type="datetimeFigureOut">
               <a:rPr lang="en-US" smtClean="0"/>
               <a:pPr/>
-              <a:t>11/27/2023</a:t>
+              <a:t>11/29/2023</a:t>
             </a:fld>
             <a:endParaRPr lang="en-US" dirty="0"/>
           </a:p>
@@ -8947,7 +8947,7 @@
         </p:nvSpPr>
         <p:spPr>
           <a:xfrm>
-            <a:off x="4517575" y="6488668"/>
+            <a:off x="4879518" y="2842307"/>
             <a:ext cx="3386440" cy="400110"/>
           </a:xfrm>
           <a:prstGeom prst="rect">
@@ -9363,7 +9363,7 @@
         </p:nvSpPr>
         <p:spPr>
           <a:xfrm>
-            <a:off x="8496887" y="6457890"/>
+            <a:off x="2709560" y="3462141"/>
             <a:ext cx="3386440" cy="400110"/>
           </a:xfrm>
           <a:prstGeom prst="rect">
@@ -9767,10 +9767,10 @@
       </p:sp>
       <p:sp>
         <p:nvSpPr>
-          <p:cNvPr id="12" name="TextBox 11">
+          <p:cNvPr id="6" name="TextBox 5">
             <a:extLst>
               <a:ext uri="{FF2B5EF4-FFF2-40B4-BE49-F238E27FC236}">
-                <a16:creationId xmlns:a16="http://schemas.microsoft.com/office/drawing/2014/main" id="{1AC86A1A-F52F-5913-16B1-58DA830520BE}"/>
+                <a16:creationId xmlns:a16="http://schemas.microsoft.com/office/drawing/2014/main" id="{BC6149C8-D1B1-5448-EE2E-0121C255FFFE}"/>
               </a:ext>
             </a:extLst>
           </p:cNvPr>
@@ -9779,7 +9779,7 @@
         </p:nvSpPr>
         <p:spPr>
           <a:xfrm>
-            <a:off x="8496887" y="6457890"/>
+            <a:off x="2709560" y="3462141"/>
             <a:ext cx="3386440" cy="400110"/>
           </a:xfrm>
           <a:prstGeom prst="rect">
